--- a/src/ppt3_S3.pptx
+++ b/src/ppt3_S3.pptx
@@ -5,7 +5,7 @@
     <p:sldMasterId id="2147483681" r:id="rId1"/>
   </p:sldMasterIdLst>
   <p:notesMasterIdLst>
-    <p:notesMasterId r:id="rId18"/>
+    <p:notesMasterId r:id="rId17"/>
   </p:notesMasterIdLst>
   <p:sldIdLst>
     <p:sldId id="256" r:id="rId2"/>
@@ -17,13 +17,12 @@
     <p:sldId id="289" r:id="rId8"/>
     <p:sldId id="277" r:id="rId9"/>
     <p:sldId id="278" r:id="rId10"/>
-    <p:sldId id="290" r:id="rId11"/>
-    <p:sldId id="279" r:id="rId12"/>
-    <p:sldId id="281" r:id="rId13"/>
-    <p:sldId id="285" r:id="rId14"/>
-    <p:sldId id="291" r:id="rId15"/>
-    <p:sldId id="293" r:id="rId16"/>
-    <p:sldId id="273" r:id="rId17"/>
+    <p:sldId id="279" r:id="rId11"/>
+    <p:sldId id="281" r:id="rId12"/>
+    <p:sldId id="285" r:id="rId13"/>
+    <p:sldId id="291" r:id="rId14"/>
+    <p:sldId id="293" r:id="rId15"/>
+    <p:sldId id="273" r:id="rId16"/>
   </p:sldIdLst>
   <p:sldSz cx="12192000" cy="6858000"/>
   <p:notesSz cx="6858000" cy="9144000"/>
@@ -124,7 +123,7 @@
   </p:defaultTextStyle>
   <p:extLst>
     <p:ext uri="{EFAFB233-063F-42B5-8137-9DF3F51BA10A}">
-      <p15:sldGuideLst xmlns:p15="http://schemas.microsoft.com/office/powerpoint/2012/main" xmlns=""/>
+      <p15:sldGuideLst xmlns="" xmlns:p15="http://schemas.microsoft.com/office/powerpoint/2012/main"/>
     </p:ext>
   </p:extLst>
 </p:presentation>
@@ -213,7 +212,7 @@
             <a:fld id="{25FB7CB9-7F8D-49C9-9ED4-01D0EC92DD82}" type="datetimeFigureOut">
               <a:rPr lang="en-US" smtClean="0"/>
               <a:pPr/>
-              <a:t>9/5/2019</a:t>
+              <a:t>11/14/2019</a:t>
             </a:fld>
             <a:endParaRPr lang="en-US"/>
           </a:p>
@@ -1202,7 +1201,7 @@
             <a:fld id="{48A87A34-81AB-432B-8DAE-1953F412C126}" type="datetimeFigureOut">
               <a:rPr lang="en-US" smtClean="0"/>
               <a:pPr/>
-              <a:t>9/5/2019</a:t>
+              <a:t>11/14/2019</a:t>
             </a:fld>
             <a:endParaRPr lang="en-US" dirty="0"/>
           </a:p>
@@ -1254,7 +1253,7 @@
     </p:spTree>
     <p:extLst>
       <p:ext uri="{BB962C8B-B14F-4D97-AF65-F5344CB8AC3E}">
-        <p14:creationId xmlns:p14="http://schemas.microsoft.com/office/powerpoint/2010/main" xmlns="" val="2379700270"/>
+        <p14:creationId xmlns="" xmlns:p14="http://schemas.microsoft.com/office/powerpoint/2010/main" val="2379700270"/>
       </p:ext>
     </p:extLst>
   </p:cSld>
@@ -1455,7 +1454,7 @@
             <a:fld id="{48A87A34-81AB-432B-8DAE-1953F412C126}" type="datetimeFigureOut">
               <a:rPr lang="en-US" smtClean="0"/>
               <a:pPr/>
-              <a:t>9/5/2019</a:t>
+              <a:t>11/14/2019</a:t>
             </a:fld>
             <a:endParaRPr lang="en-US" dirty="0"/>
           </a:p>
@@ -1507,7 +1506,7 @@
     </p:spTree>
     <p:extLst>
       <p:ext uri="{BB962C8B-B14F-4D97-AF65-F5344CB8AC3E}">
-        <p14:creationId xmlns:p14="http://schemas.microsoft.com/office/powerpoint/2010/main" xmlns="" val="1804991245"/>
+        <p14:creationId xmlns="" xmlns:p14="http://schemas.microsoft.com/office/powerpoint/2010/main" val="1804991245"/>
       </p:ext>
     </p:extLst>
   </p:cSld>
@@ -1771,7 +1770,7 @@
             <a:fld id="{48A87A34-81AB-432B-8DAE-1953F412C126}" type="datetimeFigureOut">
               <a:rPr lang="en-US" smtClean="0"/>
               <a:pPr/>
-              <a:t>9/5/2019</a:t>
+              <a:t>11/14/2019</a:t>
             </a:fld>
             <a:endParaRPr lang="en-US" dirty="0"/>
           </a:p>
@@ -1913,7 +1912,7 @@
     </p:spTree>
     <p:extLst>
       <p:ext uri="{BB962C8B-B14F-4D97-AF65-F5344CB8AC3E}">
-        <p14:creationId xmlns:p14="http://schemas.microsoft.com/office/powerpoint/2010/main" xmlns="" val="1473712570"/>
+        <p14:creationId xmlns="" xmlns:p14="http://schemas.microsoft.com/office/powerpoint/2010/main" val="1473712570"/>
       </p:ext>
     </p:extLst>
   </p:cSld>
@@ -2114,7 +2113,7 @@
             <a:fld id="{48A87A34-81AB-432B-8DAE-1953F412C126}" type="datetimeFigureOut">
               <a:rPr lang="en-US" smtClean="0"/>
               <a:pPr/>
-              <a:t>9/5/2019</a:t>
+              <a:t>11/14/2019</a:t>
             </a:fld>
             <a:endParaRPr lang="en-US" dirty="0"/>
           </a:p>
@@ -2166,7 +2165,7 @@
     </p:spTree>
     <p:extLst>
       <p:ext uri="{BB962C8B-B14F-4D97-AF65-F5344CB8AC3E}">
-        <p14:creationId xmlns:p14="http://schemas.microsoft.com/office/powerpoint/2010/main" xmlns="" val="2530574234"/>
+        <p14:creationId xmlns="" xmlns:p14="http://schemas.microsoft.com/office/powerpoint/2010/main" val="2530574234"/>
       </p:ext>
     </p:extLst>
   </p:cSld>
@@ -2430,7 +2429,7 @@
             <a:fld id="{48A87A34-81AB-432B-8DAE-1953F412C126}" type="datetimeFigureOut">
               <a:rPr lang="en-US" smtClean="0"/>
               <a:pPr/>
-              <a:t>9/5/2019</a:t>
+              <a:t>11/14/2019</a:t>
             </a:fld>
             <a:endParaRPr lang="en-US" dirty="0"/>
           </a:p>
@@ -2564,7 +2563,7 @@
     </p:spTree>
     <p:extLst>
       <p:ext uri="{BB962C8B-B14F-4D97-AF65-F5344CB8AC3E}">
-        <p14:creationId xmlns:p14="http://schemas.microsoft.com/office/powerpoint/2010/main" xmlns="" val="1004790222"/>
+        <p14:creationId xmlns="" xmlns:p14="http://schemas.microsoft.com/office/powerpoint/2010/main" val="1004790222"/>
       </p:ext>
     </p:extLst>
   </p:cSld>
@@ -2825,7 +2824,7 @@
             <a:fld id="{48A87A34-81AB-432B-8DAE-1953F412C126}" type="datetimeFigureOut">
               <a:rPr lang="en-US" smtClean="0"/>
               <a:pPr/>
-              <a:t>9/5/2019</a:t>
+              <a:t>11/14/2019</a:t>
             </a:fld>
             <a:endParaRPr lang="en-US" dirty="0"/>
           </a:p>
@@ -2877,7 +2876,7 @@
     </p:spTree>
     <p:extLst>
       <p:ext uri="{BB962C8B-B14F-4D97-AF65-F5344CB8AC3E}">
-        <p14:creationId xmlns:p14="http://schemas.microsoft.com/office/powerpoint/2010/main" xmlns="" val="3328784466"/>
+        <p14:creationId xmlns="" xmlns:p14="http://schemas.microsoft.com/office/powerpoint/2010/main" val="3328784466"/>
       </p:ext>
     </p:extLst>
   </p:cSld>
@@ -2997,7 +2996,7 @@
             <a:fld id="{48A87A34-81AB-432B-8DAE-1953F412C126}" type="datetimeFigureOut">
               <a:rPr lang="en-US" smtClean="0"/>
               <a:pPr/>
-              <a:t>9/5/2019</a:t>
+              <a:t>11/14/2019</a:t>
             </a:fld>
             <a:endParaRPr lang="en-US" dirty="0"/>
           </a:p>
@@ -3049,7 +3048,7 @@
     </p:spTree>
     <p:extLst>
       <p:ext uri="{BB962C8B-B14F-4D97-AF65-F5344CB8AC3E}">
-        <p14:creationId xmlns:p14="http://schemas.microsoft.com/office/powerpoint/2010/main" xmlns="" val="1447070425"/>
+        <p14:creationId xmlns="" xmlns:p14="http://schemas.microsoft.com/office/powerpoint/2010/main" val="1447070425"/>
       </p:ext>
     </p:extLst>
   </p:cSld>
@@ -3179,7 +3178,7 @@
             <a:fld id="{48A87A34-81AB-432B-8DAE-1953F412C126}" type="datetimeFigureOut">
               <a:rPr lang="en-US" smtClean="0"/>
               <a:pPr/>
-              <a:t>9/5/2019</a:t>
+              <a:t>11/14/2019</a:t>
             </a:fld>
             <a:endParaRPr lang="en-US" dirty="0"/>
           </a:p>
@@ -3231,7 +3230,7 @@
     </p:spTree>
     <p:extLst>
       <p:ext uri="{BB962C8B-B14F-4D97-AF65-F5344CB8AC3E}">
-        <p14:creationId xmlns:p14="http://schemas.microsoft.com/office/powerpoint/2010/main" xmlns="" val="3648480235"/>
+        <p14:creationId xmlns="" xmlns:p14="http://schemas.microsoft.com/office/powerpoint/2010/main" val="3648480235"/>
       </p:ext>
     </p:extLst>
   </p:cSld>
@@ -3357,7 +3356,7 @@
             <a:fld id="{48A87A34-81AB-432B-8DAE-1953F412C126}" type="datetimeFigureOut">
               <a:rPr lang="en-US" smtClean="0"/>
               <a:pPr/>
-              <a:t>9/5/2019</a:t>
+              <a:t>11/14/2019</a:t>
             </a:fld>
             <a:endParaRPr lang="en-US" dirty="0"/>
           </a:p>
@@ -3409,7 +3408,7 @@
     </p:spTree>
     <p:extLst>
       <p:ext uri="{BB962C8B-B14F-4D97-AF65-F5344CB8AC3E}">
-        <p14:creationId xmlns:p14="http://schemas.microsoft.com/office/powerpoint/2010/main" xmlns="" val="2649633687"/>
+        <p14:creationId xmlns="" xmlns:p14="http://schemas.microsoft.com/office/powerpoint/2010/main" val="2649633687"/>
       </p:ext>
     </p:extLst>
   </p:cSld>
@@ -3606,7 +3605,7 @@
             <a:fld id="{48A87A34-81AB-432B-8DAE-1953F412C126}" type="datetimeFigureOut">
               <a:rPr lang="en-US" smtClean="0"/>
               <a:pPr/>
-              <a:t>9/5/2019</a:t>
+              <a:t>11/14/2019</a:t>
             </a:fld>
             <a:endParaRPr lang="en-US" dirty="0"/>
           </a:p>
@@ -3658,7 +3657,7 @@
     </p:spTree>
     <p:extLst>
       <p:ext uri="{BB962C8B-B14F-4D97-AF65-F5344CB8AC3E}">
-        <p14:creationId xmlns:p14="http://schemas.microsoft.com/office/powerpoint/2010/main" xmlns="" val="572893903"/>
+        <p14:creationId xmlns="" xmlns:p14="http://schemas.microsoft.com/office/powerpoint/2010/main" val="572893903"/>
       </p:ext>
     </p:extLst>
   </p:cSld>
@@ -3840,7 +3839,7 @@
             <a:fld id="{48A87A34-81AB-432B-8DAE-1953F412C126}" type="datetimeFigureOut">
               <a:rPr lang="en-US" smtClean="0"/>
               <a:pPr/>
-              <a:t>9/5/2019</a:t>
+              <a:t>11/14/2019</a:t>
             </a:fld>
             <a:endParaRPr lang="en-US" dirty="0"/>
           </a:p>
@@ -3892,7 +3891,7 @@
     </p:spTree>
     <p:extLst>
       <p:ext uri="{BB962C8B-B14F-4D97-AF65-F5344CB8AC3E}">
-        <p14:creationId xmlns:p14="http://schemas.microsoft.com/office/powerpoint/2010/main" xmlns="" val="3918475607"/>
+        <p14:creationId xmlns="" xmlns:p14="http://schemas.microsoft.com/office/powerpoint/2010/main" val="3918475607"/>
       </p:ext>
     </p:extLst>
   </p:cSld>
@@ -4216,7 +4215,7 @@
             <a:fld id="{48A87A34-81AB-432B-8DAE-1953F412C126}" type="datetimeFigureOut">
               <a:rPr lang="en-US" smtClean="0"/>
               <a:pPr/>
-              <a:t>9/5/2019</a:t>
+              <a:t>11/14/2019</a:t>
             </a:fld>
             <a:endParaRPr lang="en-US" dirty="0"/>
           </a:p>
@@ -4268,7 +4267,7 @@
     </p:spTree>
     <p:extLst>
       <p:ext uri="{BB962C8B-B14F-4D97-AF65-F5344CB8AC3E}">
-        <p14:creationId xmlns:p14="http://schemas.microsoft.com/office/powerpoint/2010/main" xmlns="" val="70569158"/>
+        <p14:creationId xmlns="" xmlns:p14="http://schemas.microsoft.com/office/powerpoint/2010/main" val="70569158"/>
       </p:ext>
     </p:extLst>
   </p:cSld>
@@ -4341,7 +4340,7 @@
             <a:fld id="{48A87A34-81AB-432B-8DAE-1953F412C126}" type="datetimeFigureOut">
               <a:rPr lang="en-US" smtClean="0"/>
               <a:pPr/>
-              <a:t>9/5/2019</a:t>
+              <a:t>11/14/2019</a:t>
             </a:fld>
             <a:endParaRPr lang="en-US" dirty="0"/>
           </a:p>
@@ -4393,7 +4392,7 @@
     </p:spTree>
     <p:extLst>
       <p:ext uri="{BB962C8B-B14F-4D97-AF65-F5344CB8AC3E}">
-        <p14:creationId xmlns:p14="http://schemas.microsoft.com/office/powerpoint/2010/main" xmlns="" val="3956773614"/>
+        <p14:creationId xmlns="" xmlns:p14="http://schemas.microsoft.com/office/powerpoint/2010/main" val="3956773614"/>
       </p:ext>
     </p:extLst>
   </p:cSld>
@@ -4438,7 +4437,7 @@
             <a:fld id="{48A87A34-81AB-432B-8DAE-1953F412C126}" type="datetimeFigureOut">
               <a:rPr lang="en-US" smtClean="0"/>
               <a:pPr/>
-              <a:t>9/5/2019</a:t>
+              <a:t>11/14/2019</a:t>
             </a:fld>
             <a:endParaRPr lang="en-US" dirty="0"/>
           </a:p>
@@ -4490,7 +4489,7 @@
     </p:spTree>
     <p:extLst>
       <p:ext uri="{BB962C8B-B14F-4D97-AF65-F5344CB8AC3E}">
-        <p14:creationId xmlns:p14="http://schemas.microsoft.com/office/powerpoint/2010/main" xmlns="" val="843387325"/>
+        <p14:creationId xmlns="" xmlns:p14="http://schemas.microsoft.com/office/powerpoint/2010/main" val="843387325"/>
       </p:ext>
     </p:extLst>
   </p:cSld>
@@ -4695,7 +4694,7 @@
             <a:fld id="{48A87A34-81AB-432B-8DAE-1953F412C126}" type="datetimeFigureOut">
               <a:rPr lang="en-US" smtClean="0"/>
               <a:pPr/>
-              <a:t>9/5/2019</a:t>
+              <a:t>11/14/2019</a:t>
             </a:fld>
             <a:endParaRPr lang="en-US" dirty="0"/>
           </a:p>
@@ -4747,7 +4746,7 @@
     </p:spTree>
     <p:extLst>
       <p:ext uri="{BB962C8B-B14F-4D97-AF65-F5344CB8AC3E}">
-        <p14:creationId xmlns:p14="http://schemas.microsoft.com/office/powerpoint/2010/main" xmlns="" val="614752468"/>
+        <p14:creationId xmlns="" xmlns:p14="http://schemas.microsoft.com/office/powerpoint/2010/main" val="614752468"/>
       </p:ext>
     </p:extLst>
   </p:cSld>
@@ -4960,7 +4959,7 @@
             <a:fld id="{48A87A34-81AB-432B-8DAE-1953F412C126}" type="datetimeFigureOut">
               <a:rPr lang="en-US" smtClean="0"/>
               <a:pPr/>
-              <a:t>9/5/2019</a:t>
+              <a:t>11/14/2019</a:t>
             </a:fld>
             <a:endParaRPr lang="en-US" dirty="0"/>
           </a:p>
@@ -5012,7 +5011,7 @@
     </p:spTree>
     <p:extLst>
       <p:ext uri="{BB962C8B-B14F-4D97-AF65-F5344CB8AC3E}">
-        <p14:creationId xmlns:p14="http://schemas.microsoft.com/office/powerpoint/2010/main" xmlns="" val="2525773852"/>
+        <p14:creationId xmlns="" xmlns:p14="http://schemas.microsoft.com/office/powerpoint/2010/main" val="2525773852"/>
       </p:ext>
     </p:extLst>
   </p:cSld>
@@ -5705,7 +5704,7 @@
             <a:fld id="{48A87A34-81AB-432B-8DAE-1953F412C126}" type="datetimeFigureOut">
               <a:rPr lang="en-US" smtClean="0"/>
               <a:pPr/>
-              <a:t>9/5/2019</a:t>
+              <a:t>11/14/2019</a:t>
             </a:fld>
             <a:endParaRPr lang="en-US" dirty="0"/>
           </a:p>
@@ -5791,7 +5790,7 @@
     </p:spTree>
     <p:extLst>
       <p:ext uri="{BB962C8B-B14F-4D97-AF65-F5344CB8AC3E}">
-        <p14:creationId xmlns:p14="http://schemas.microsoft.com/office/powerpoint/2010/main" xmlns="" val="2849168193"/>
+        <p14:creationId xmlns="" xmlns:p14="http://schemas.microsoft.com/office/powerpoint/2010/main" val="2849168193"/>
       </p:ext>
     </p:extLst>
   </p:cSld>
@@ -6273,7 +6272,7 @@
     </p:spTree>
     <p:extLst>
       <p:ext uri="{BB962C8B-B14F-4D97-AF65-F5344CB8AC3E}">
-        <p14:creationId xmlns:p14="http://schemas.microsoft.com/office/powerpoint/2010/main" xmlns="" val="1597654807"/>
+        <p14:creationId xmlns="" xmlns:p14="http://schemas.microsoft.com/office/powerpoint/2010/main" val="1597654807"/>
       </p:ext>
     </p:extLst>
   </p:cSld>
@@ -6291,110 +6290,6 @@
 </file>
 
 <file path=ppt/slides/slide10.xml><?xml version="1.0" encoding="utf-8"?>
-<p:sld xmlns:a="http://schemas.openxmlformats.org/drawingml/2006/main" xmlns:r="http://schemas.openxmlformats.org/officeDocument/2006/relationships" xmlns:p="http://schemas.openxmlformats.org/presentationml/2006/main">
-  <p:cSld>
-    <p:spTree>
-      <p:nvGrpSpPr>
-        <p:cNvPr id="1" name=""/>
-        <p:cNvGrpSpPr/>
-        <p:nvPr/>
-      </p:nvGrpSpPr>
-      <p:grpSpPr>
-        <a:xfrm>
-          <a:off x="0" y="0"/>
-          <a:ext cx="0" cy="0"/>
-          <a:chOff x="0" y="0"/>
-          <a:chExt cx="0" cy="0"/>
-        </a:xfrm>
-      </p:grpSpPr>
-      <p:sp>
-        <p:nvSpPr>
-          <p:cNvPr id="2" name="כותרת 1"/>
-          <p:cNvSpPr>
-            <a:spLocks noGrp="1"/>
-          </p:cNvSpPr>
-          <p:nvPr>
-            <p:ph type="title"/>
-          </p:nvPr>
-        </p:nvSpPr>
-        <p:spPr>
-          <a:xfrm>
-            <a:off x="677334" y="609600"/>
-            <a:ext cx="8596668" cy="773151"/>
-          </a:xfrm>
-        </p:spPr>
-        <p:txBody>
-          <a:bodyPr>
-            <a:normAutofit/>
-          </a:bodyPr>
-          <a:lstStyle/>
-          <a:p>
-            <a:pPr algn="r"/>
-            <a:r>
-              <a:rPr lang="he-IL" sz="4400" b="1" dirty="0" smtClean="0"/>
-              <a:t>סביבת הפיתוח </a:t>
-            </a:r>
-            <a:r>
-              <a:rPr lang="en-US" sz="4400" b="1" dirty="0" smtClean="0"/>
-              <a:t>Scratch 3</a:t>
-            </a:r>
-            <a:endParaRPr lang="he-IL" sz="4400" b="1" dirty="0"/>
-          </a:p>
-        </p:txBody>
-      </p:sp>
-      <p:pic>
-        <p:nvPicPr>
-          <p:cNvPr id="3074" name="Picture 2"/>
-          <p:cNvPicPr>
-            <a:picLocks noChangeAspect="1" noChangeArrowheads="1"/>
-          </p:cNvPicPr>
-          <p:nvPr/>
-        </p:nvPicPr>
-        <p:blipFill>
-          <a:blip r:embed="rId2"/>
-          <a:srcRect/>
-          <a:stretch>
-            <a:fillRect/>
-          </a:stretch>
-        </p:blipFill>
-        <p:spPr bwMode="auto">
-          <a:xfrm>
-            <a:off x="1105531" y="1389412"/>
-            <a:ext cx="7646577" cy="5456713"/>
-          </a:xfrm>
-          <a:prstGeom prst="rect">
-            <a:avLst/>
-          </a:prstGeom>
-          <a:noFill/>
-          <a:ln w="9525">
-            <a:noFill/>
-            <a:miter lim="800000"/>
-            <a:headEnd/>
-            <a:tailEnd/>
-          </a:ln>
-        </p:spPr>
-      </p:pic>
-    </p:spTree>
-    <p:extLst>
-      <p:ext uri="{BB962C8B-B14F-4D97-AF65-F5344CB8AC3E}">
-        <p14:creationId xmlns:p14="http://schemas.microsoft.com/office/powerpoint/2010/main" xmlns="" val="999608912"/>
-      </p:ext>
-    </p:extLst>
-  </p:cSld>
-  <p:clrMapOvr>
-    <a:masterClrMapping/>
-  </p:clrMapOvr>
-  <p:timing>
-    <p:tnLst>
-      <p:par>
-        <p:cTn id="1" dur="indefinite" restart="never" nodeType="tmRoot"/>
-      </p:par>
-    </p:tnLst>
-  </p:timing>
-</p:sld>
-</file>
-
-<file path=ppt/slides/slide11.xml><?xml version="1.0" encoding="utf-8"?>
 <p:sld xmlns:a="http://schemas.openxmlformats.org/drawingml/2006/main" xmlns:r="http://schemas.openxmlformats.org/officeDocument/2006/relationships" xmlns:p="http://schemas.openxmlformats.org/presentationml/2006/main">
   <p:cSld>
     <p:spTree>
@@ -6500,7 +6395,155 @@
     </p:spTree>
     <p:extLst>
       <p:ext uri="{BB962C8B-B14F-4D97-AF65-F5344CB8AC3E}">
-        <p14:creationId xmlns:p14="http://schemas.microsoft.com/office/powerpoint/2010/main" xmlns="" val="999608912"/>
+        <p14:creationId xmlns="" xmlns:p14="http://schemas.microsoft.com/office/powerpoint/2010/main" val="999608912"/>
+      </p:ext>
+    </p:extLst>
+  </p:cSld>
+  <p:clrMapOvr>
+    <a:masterClrMapping/>
+  </p:clrMapOvr>
+  <p:timing>
+    <p:tnLst>
+      <p:par>
+        <p:cTn id="1" dur="indefinite" restart="never" nodeType="tmRoot"/>
+      </p:par>
+    </p:tnLst>
+  </p:timing>
+</p:sld>
+</file>
+
+<file path=ppt/slides/slide11.xml><?xml version="1.0" encoding="utf-8"?>
+<p:sld xmlns:a="http://schemas.openxmlformats.org/drawingml/2006/main" xmlns:r="http://schemas.openxmlformats.org/officeDocument/2006/relationships" xmlns:p="http://schemas.openxmlformats.org/presentationml/2006/main">
+  <p:cSld>
+    <p:spTree>
+      <p:nvGrpSpPr>
+        <p:cNvPr id="1" name=""/>
+        <p:cNvGrpSpPr/>
+        <p:nvPr/>
+      </p:nvGrpSpPr>
+      <p:grpSpPr>
+        <a:xfrm>
+          <a:off x="0" y="0"/>
+          <a:ext cx="0" cy="0"/>
+          <a:chOff x="0" y="0"/>
+          <a:chExt cx="0" cy="0"/>
+        </a:xfrm>
+      </p:grpSpPr>
+      <p:sp>
+        <p:nvSpPr>
+          <p:cNvPr id="2" name="כותרת 1"/>
+          <p:cNvSpPr>
+            <a:spLocks noGrp="1"/>
+          </p:cNvSpPr>
+          <p:nvPr>
+            <p:ph type="title"/>
+          </p:nvPr>
+        </p:nvSpPr>
+        <p:spPr>
+          <a:xfrm>
+            <a:off x="677334" y="609600"/>
+            <a:ext cx="8596668" cy="773151"/>
+          </a:xfrm>
+        </p:spPr>
+        <p:txBody>
+          <a:bodyPr>
+            <a:normAutofit/>
+          </a:bodyPr>
+          <a:lstStyle/>
+          <a:p>
+            <a:pPr algn="r"/>
+            <a:r>
+              <a:rPr lang="he-IL" sz="4400" b="1" dirty="0" smtClean="0"/>
+              <a:t>סביבת הפיתוח </a:t>
+            </a:r>
+            <a:r>
+              <a:rPr lang="en-US" sz="4400" b="1" dirty="0" smtClean="0"/>
+              <a:t>Scratch 3</a:t>
+            </a:r>
+            <a:r>
+              <a:rPr lang="he-IL" sz="4400" b="1" dirty="0" smtClean="0"/>
+              <a:t> - פקודות</a:t>
+            </a:r>
+            <a:endParaRPr lang="he-IL" sz="4400" b="1" dirty="0"/>
+          </a:p>
+        </p:txBody>
+      </p:sp>
+      <p:sp>
+        <p:nvSpPr>
+          <p:cNvPr id="3" name="מציין מיקום תוכן 2"/>
+          <p:cNvSpPr>
+            <a:spLocks noGrp="1"/>
+          </p:cNvSpPr>
+          <p:nvPr>
+            <p:ph idx="1"/>
+          </p:nvPr>
+        </p:nvSpPr>
+        <p:spPr>
+          <a:xfrm>
+            <a:off x="0" y="1494263"/>
+            <a:ext cx="9274002" cy="5062654"/>
+          </a:xfrm>
+        </p:spPr>
+        <p:txBody>
+          <a:bodyPr>
+            <a:noAutofit/>
+          </a:bodyPr>
+          <a:lstStyle/>
+          <a:p>
+            <a:r>
+              <a:rPr lang="he-IL" sz="4000" dirty="0" smtClean="0"/>
+              <a:t> משפחות הפקודות</a:t>
+            </a:r>
+          </a:p>
+          <a:p>
+            <a:pPr lvl="1"/>
+            <a:r>
+              <a:rPr lang="he-IL" sz="3800" dirty="0" smtClean="0"/>
+              <a:t> </a:t>
+            </a:r>
+            <a:r>
+              <a:rPr lang="he-IL" sz="3200" dirty="0" smtClean="0"/>
+              <a:t>צבע שונה לכל משפחה</a:t>
+            </a:r>
+          </a:p>
+          <a:p>
+            <a:pPr lvl="1"/>
+            <a:r>
+              <a:rPr lang="he-IL" sz="3200" dirty="0" smtClean="0"/>
+              <a:t> מכנה משותף לכל משפחה</a:t>
+            </a:r>
+          </a:p>
+          <a:p>
+            <a:r>
+              <a:rPr lang="he-IL" sz="4000" dirty="0" smtClean="0"/>
+              <a:t> מנגנון הפעלת פקודות</a:t>
+            </a:r>
+          </a:p>
+          <a:p>
+            <a:pPr lvl="1"/>
+            <a:r>
+              <a:rPr lang="he-IL" sz="4200" dirty="0" smtClean="0"/>
+              <a:t> </a:t>
+            </a:r>
+            <a:r>
+              <a:rPr lang="he-IL" sz="3200" dirty="0" smtClean="0"/>
+              <a:t>לחיצה כפולה להפעלה חד-פעמית מיידית</a:t>
+            </a:r>
+          </a:p>
+          <a:p>
+            <a:pPr lvl="1"/>
+            <a:r>
+              <a:rPr lang="he-IL" sz="3200" dirty="0" smtClean="0"/>
+              <a:t> גרירה לשולחן העבודה לשם הרכבת תסריט</a:t>
+            </a:r>
+            <a:endParaRPr lang="he-IL" sz="3600" dirty="0" smtClean="0"/>
+          </a:p>
+        </p:txBody>
+      </p:sp>
+    </p:spTree>
+    <p:extLst>
+      <p:ext uri="{BB962C8B-B14F-4D97-AF65-F5344CB8AC3E}">
+        <p14:creationId xmlns="" xmlns:p14="http://schemas.microsoft.com/office/powerpoint/2010/main" val="999608912"/>
       </p:ext>
     </p:extLst>
   </p:cSld>
@@ -6597,58 +6640,50 @@
           <a:p>
             <a:r>
               <a:rPr lang="he-IL" sz="4000" dirty="0" smtClean="0"/>
-              <a:t> משפחות הפקודות</a:t>
+              <a:t> סוגי פקודות - כללי</a:t>
             </a:r>
           </a:p>
           <a:p>
             <a:pPr lvl="1"/>
             <a:r>
               <a:rPr lang="he-IL" sz="3800" dirty="0" smtClean="0"/>
-              <a:t> </a:t>
-            </a:r>
-            <a:r>
-              <a:rPr lang="he-IL" sz="3200" dirty="0" smtClean="0"/>
-              <a:t>צבע שונה לכל משפחה</a:t>
+              <a:t> פקודות כובע להתחלת תהליכים</a:t>
+            </a:r>
+          </a:p>
+          <a:p>
+            <a:pPr lvl="2"/>
+            <a:r>
+              <a:rPr lang="he-IL" sz="3600" dirty="0" smtClean="0"/>
+              <a:t> אירוע – מתניע את התסריט</a:t>
             </a:r>
           </a:p>
           <a:p>
             <a:pPr lvl="1"/>
             <a:r>
-              <a:rPr lang="he-IL" sz="3200" dirty="0" smtClean="0"/>
-              <a:t> מכנה משותף לכל משפחה</a:t>
-            </a:r>
-          </a:p>
-          <a:p>
-            <a:r>
-              <a:rPr lang="he-IL" sz="4000" dirty="0" smtClean="0"/>
-              <a:t> מנגנון הפעלת פקודות</a:t>
+              <a:rPr lang="he-IL" sz="3800" dirty="0" smtClean="0"/>
+              <a:t> פקודות תנאי לביצוע בדיקות</a:t>
+            </a:r>
+          </a:p>
+          <a:p>
+            <a:pPr lvl="2"/>
+            <a:r>
+              <a:rPr lang="he-IL" sz="3600" dirty="0" smtClean="0"/>
+              <a:t> תנאים – אם ואם לא</a:t>
             </a:r>
           </a:p>
           <a:p>
             <a:pPr lvl="1"/>
             <a:r>
-              <a:rPr lang="he-IL" sz="4200" dirty="0" smtClean="0"/>
-              <a:t> </a:t>
-            </a:r>
-            <a:r>
-              <a:rPr lang="he-IL" sz="3200" dirty="0" smtClean="0"/>
-              <a:t>לחיצה כפולה להפעלה חד-פעמית מיידית</a:t>
-            </a:r>
-          </a:p>
-          <a:p>
-            <a:pPr lvl="1"/>
-            <a:r>
-              <a:rPr lang="he-IL" sz="3200" dirty="0" smtClean="0"/>
-              <a:t> גרירה לשולחן העבודה לשם הרכבת תסריט</a:t>
-            </a:r>
-            <a:endParaRPr lang="he-IL" sz="3600" dirty="0" smtClean="0"/>
+              <a:rPr lang="he-IL" sz="3800" dirty="0" smtClean="0"/>
+              <a:t> פקודות לביצוע פעולות</a:t>
+            </a:r>
           </a:p>
         </p:txBody>
       </p:sp>
     </p:spTree>
     <p:extLst>
       <p:ext uri="{BB962C8B-B14F-4D97-AF65-F5344CB8AC3E}">
-        <p14:creationId xmlns:p14="http://schemas.microsoft.com/office/powerpoint/2010/main" xmlns="" val="999608912"/>
+        <p14:creationId xmlns="" xmlns:p14="http://schemas.microsoft.com/office/powerpoint/2010/main" val="999608912"/>
       </p:ext>
     </p:extLst>
   </p:cSld>
@@ -6707,146 +6742,6 @@
             <a:pPr algn="r"/>
             <a:r>
               <a:rPr lang="he-IL" sz="4400" b="1" dirty="0" smtClean="0"/>
-              <a:t>סביבת הפיתוח </a:t>
-            </a:r>
-            <a:r>
-              <a:rPr lang="en-US" sz="4400" b="1" dirty="0" smtClean="0"/>
-              <a:t>Scratch 3</a:t>
-            </a:r>
-            <a:r>
-              <a:rPr lang="he-IL" sz="4400" b="1" dirty="0" smtClean="0"/>
-              <a:t> - פקודות</a:t>
-            </a:r>
-            <a:endParaRPr lang="he-IL" sz="4400" b="1" dirty="0"/>
-          </a:p>
-        </p:txBody>
-      </p:sp>
-      <p:sp>
-        <p:nvSpPr>
-          <p:cNvPr id="3" name="מציין מיקום תוכן 2"/>
-          <p:cNvSpPr>
-            <a:spLocks noGrp="1"/>
-          </p:cNvSpPr>
-          <p:nvPr>
-            <p:ph idx="1"/>
-          </p:nvPr>
-        </p:nvSpPr>
-        <p:spPr>
-          <a:xfrm>
-            <a:off x="0" y="1494263"/>
-            <a:ext cx="9274002" cy="5062654"/>
-          </a:xfrm>
-        </p:spPr>
-        <p:txBody>
-          <a:bodyPr>
-            <a:noAutofit/>
-          </a:bodyPr>
-          <a:lstStyle/>
-          <a:p>
-            <a:r>
-              <a:rPr lang="he-IL" sz="4000" dirty="0" smtClean="0"/>
-              <a:t> סוגי פקודות - כללי</a:t>
-            </a:r>
-          </a:p>
-          <a:p>
-            <a:pPr lvl="1"/>
-            <a:r>
-              <a:rPr lang="he-IL" sz="3800" dirty="0" smtClean="0"/>
-              <a:t> פקודות כובע להתחלת תהליכים</a:t>
-            </a:r>
-          </a:p>
-          <a:p>
-            <a:pPr lvl="2"/>
-            <a:r>
-              <a:rPr lang="he-IL" sz="3600" dirty="0" smtClean="0"/>
-              <a:t> אירוע – מתניע את התסריט</a:t>
-            </a:r>
-          </a:p>
-          <a:p>
-            <a:pPr lvl="1"/>
-            <a:r>
-              <a:rPr lang="he-IL" sz="3800" dirty="0" smtClean="0"/>
-              <a:t> פקודות תנאי לביצוע בדיקות</a:t>
-            </a:r>
-          </a:p>
-          <a:p>
-            <a:pPr lvl="2"/>
-            <a:r>
-              <a:rPr lang="he-IL" sz="3600" dirty="0" smtClean="0"/>
-              <a:t> תנאים – אם ואם לא</a:t>
-            </a:r>
-          </a:p>
-          <a:p>
-            <a:pPr lvl="1"/>
-            <a:r>
-              <a:rPr lang="he-IL" sz="3800" dirty="0" smtClean="0"/>
-              <a:t> פקודות לביצוע פעולות</a:t>
-            </a:r>
-          </a:p>
-        </p:txBody>
-      </p:sp>
-    </p:spTree>
-    <p:extLst>
-      <p:ext uri="{BB962C8B-B14F-4D97-AF65-F5344CB8AC3E}">
-        <p14:creationId xmlns:p14="http://schemas.microsoft.com/office/powerpoint/2010/main" xmlns="" val="999608912"/>
-      </p:ext>
-    </p:extLst>
-  </p:cSld>
-  <p:clrMapOvr>
-    <a:masterClrMapping/>
-  </p:clrMapOvr>
-  <p:timing>
-    <p:tnLst>
-      <p:par>
-        <p:cTn id="1" dur="indefinite" restart="never" nodeType="tmRoot"/>
-      </p:par>
-    </p:tnLst>
-  </p:timing>
-</p:sld>
-</file>
-
-<file path=ppt/slides/slide14.xml><?xml version="1.0" encoding="utf-8"?>
-<p:sld xmlns:a="http://schemas.openxmlformats.org/drawingml/2006/main" xmlns:r="http://schemas.openxmlformats.org/officeDocument/2006/relationships" xmlns:p="http://schemas.openxmlformats.org/presentationml/2006/main">
-  <p:cSld>
-    <p:spTree>
-      <p:nvGrpSpPr>
-        <p:cNvPr id="1" name=""/>
-        <p:cNvGrpSpPr/>
-        <p:nvPr/>
-      </p:nvGrpSpPr>
-      <p:grpSpPr>
-        <a:xfrm>
-          <a:off x="0" y="0"/>
-          <a:ext cx="0" cy="0"/>
-          <a:chOff x="0" y="0"/>
-          <a:chExt cx="0" cy="0"/>
-        </a:xfrm>
-      </p:grpSpPr>
-      <p:sp>
-        <p:nvSpPr>
-          <p:cNvPr id="2" name="כותרת 1"/>
-          <p:cNvSpPr>
-            <a:spLocks noGrp="1"/>
-          </p:cNvSpPr>
-          <p:nvPr>
-            <p:ph type="title"/>
-          </p:nvPr>
-        </p:nvSpPr>
-        <p:spPr>
-          <a:xfrm>
-            <a:off x="677334" y="609600"/>
-            <a:ext cx="8596668" cy="773151"/>
-          </a:xfrm>
-        </p:spPr>
-        <p:txBody>
-          <a:bodyPr>
-            <a:normAutofit/>
-          </a:bodyPr>
-          <a:lstStyle/>
-          <a:p>
-            <a:pPr algn="r"/>
-            <a:r>
-              <a:rPr lang="he-IL" sz="4400" b="1" dirty="0" smtClean="0"/>
               <a:t>הוספת הרחבה למשפחות הפקודות</a:t>
             </a:r>
             <a:endParaRPr lang="he-IL" sz="4400" b="1" dirty="0"/>
@@ -6877,11 +6772,7 @@
           <a:p>
             <a:r>
               <a:rPr lang="he-IL" sz="2400" dirty="0" smtClean="0"/>
-              <a:t>להוספת משפחת פקודות הרובוט (גם ללא רובוט המחובר למחשב) - לאחר </a:t>
-            </a:r>
-            <a:r>
-              <a:rPr lang="he-IL" sz="2400" dirty="0" smtClean="0"/>
-              <a:t>לחיצה על כפתור הוספת הרחבה למשפחת הפקודות – נבחר  בהרחבה של בקר ה-</a:t>
+              <a:t>להוספת משפחת פקודות הרובוט (גם ללא רובוט המחובר למחשב) - לאחר לחיצה על כפתור הוספת הרחבה למשפחת הפקודות – נבחר  בהרחבה של בקר ה-</a:t>
             </a:r>
             <a:r>
               <a:rPr lang="en-US" sz="2400" dirty="0" smtClean="0"/>
@@ -6930,7 +6821,7 @@
     </p:spTree>
     <p:extLst>
       <p:ext uri="{BB962C8B-B14F-4D97-AF65-F5344CB8AC3E}">
-        <p14:creationId xmlns:p14="http://schemas.microsoft.com/office/powerpoint/2010/main" xmlns="" val="999608912"/>
+        <p14:creationId xmlns="" xmlns:p14="http://schemas.microsoft.com/office/powerpoint/2010/main" val="999608912"/>
       </p:ext>
     </p:extLst>
   </p:cSld>
@@ -6947,7 +6838,7 @@
 </p:sld>
 </file>
 
-<file path=ppt/slides/slide15.xml><?xml version="1.0" encoding="utf-8"?>
+<file path=ppt/slides/slide14.xml><?xml version="1.0" encoding="utf-8"?>
 <p:sld xmlns:a="http://schemas.openxmlformats.org/drawingml/2006/main" xmlns:r="http://schemas.openxmlformats.org/officeDocument/2006/relationships" xmlns:p="http://schemas.openxmlformats.org/presentationml/2006/main">
   <p:cSld>
     <p:spTree>
@@ -7027,11 +6918,7 @@
             </a:r>
             <a:r>
               <a:rPr lang="he-IL" sz="2400" dirty="0" smtClean="0"/>
-              <a:t> השחורה אמורה לרוץ ברקע) ונחזור לסביבה אליה התווספה משפחת פ</a:t>
-            </a:r>
-            <a:r>
-              <a:rPr lang="he-IL" sz="2400" dirty="0" smtClean="0"/>
-              <a:t>קודות הבקר.</a:t>
+              <a:t> השחורה אמורה לרוץ ברקע) ונחזור לסביבה אליה התווספה משפחת פקודות הבקר.</a:t>
             </a:r>
           </a:p>
           <a:p>
@@ -7237,7 +7124,7 @@
     </p:spTree>
     <p:extLst>
       <p:ext uri="{BB962C8B-B14F-4D97-AF65-F5344CB8AC3E}">
-        <p14:creationId xmlns:p14="http://schemas.microsoft.com/office/powerpoint/2010/main" xmlns="" val="999608912"/>
+        <p14:creationId xmlns="" xmlns:p14="http://schemas.microsoft.com/office/powerpoint/2010/main" val="999608912"/>
       </p:ext>
     </p:extLst>
   </p:cSld>
@@ -7254,7 +7141,7 @@
 </p:sld>
 </file>
 
-<file path=ppt/slides/slide16.xml><?xml version="1.0" encoding="utf-8"?>
+<file path=ppt/slides/slide15.xml><?xml version="1.0" encoding="utf-8"?>
 <p:sld xmlns:a="http://schemas.openxmlformats.org/drawingml/2006/main" xmlns:r="http://schemas.openxmlformats.org/officeDocument/2006/relationships" xmlns:p="http://schemas.openxmlformats.org/presentationml/2006/main">
   <p:cSld>
     <p:spTree>
@@ -7348,7 +7235,7 @@
     </p:spTree>
     <p:extLst>
       <p:ext uri="{BB962C8B-B14F-4D97-AF65-F5344CB8AC3E}">
-        <p14:creationId xmlns="" xmlns:p14="http://schemas.microsoft.com/office/powerpoint/2010/main" val="2508929371"/>
+        <p14:creationId xmlns:p14="http://schemas.microsoft.com/office/powerpoint/2010/main" xmlns="" val="2508929371"/>
       </p:ext>
     </p:extLst>
   </p:cSld>
@@ -7510,7 +7397,7 @@
     </p:spTree>
     <p:extLst>
       <p:ext uri="{BB962C8B-B14F-4D97-AF65-F5344CB8AC3E}">
-        <p14:creationId xmlns:p14="http://schemas.microsoft.com/office/powerpoint/2010/main" xmlns="" val="2508929371"/>
+        <p14:creationId xmlns="" xmlns:p14="http://schemas.microsoft.com/office/powerpoint/2010/main" val="2508929371"/>
       </p:ext>
     </p:extLst>
   </p:cSld>
@@ -7620,7 +7507,7 @@
     </p:spTree>
     <p:extLst>
       <p:ext uri="{BB962C8B-B14F-4D97-AF65-F5344CB8AC3E}">
-        <p14:creationId xmlns:p14="http://schemas.microsoft.com/office/powerpoint/2010/main" xmlns="" val="2508929371"/>
+        <p14:creationId xmlns="" xmlns:p14="http://schemas.microsoft.com/office/powerpoint/2010/main" val="2508929371"/>
       </p:ext>
     </p:extLst>
   </p:cSld>
@@ -7754,7 +7641,7 @@
     </p:spTree>
     <p:extLst>
       <p:ext uri="{BB962C8B-B14F-4D97-AF65-F5344CB8AC3E}">
-        <p14:creationId xmlns:p14="http://schemas.microsoft.com/office/powerpoint/2010/main" xmlns="" val="2508929371"/>
+        <p14:creationId xmlns="" xmlns:p14="http://schemas.microsoft.com/office/powerpoint/2010/main" val="2508929371"/>
       </p:ext>
     </p:extLst>
   </p:cSld>
@@ -7872,7 +7759,7 @@
     </p:spTree>
     <p:extLst>
       <p:ext uri="{BB962C8B-B14F-4D97-AF65-F5344CB8AC3E}">
-        <p14:creationId xmlns:p14="http://schemas.microsoft.com/office/powerpoint/2010/main" xmlns="" val="2508929371"/>
+        <p14:creationId xmlns="" xmlns:p14="http://schemas.microsoft.com/office/powerpoint/2010/main" val="2508929371"/>
       </p:ext>
     </p:extLst>
   </p:cSld>
@@ -8004,7 +7891,7 @@
     </p:spTree>
     <p:extLst>
       <p:ext uri="{BB962C8B-B14F-4D97-AF65-F5344CB8AC3E}">
-        <p14:creationId xmlns:p14="http://schemas.microsoft.com/office/powerpoint/2010/main" xmlns="" val="999608912"/>
+        <p14:creationId xmlns="" xmlns:p14="http://schemas.microsoft.com/office/powerpoint/2010/main" val="999608912"/>
       </p:ext>
     </p:extLst>
   </p:cSld>
@@ -8207,7 +8094,7 @@
     </p:spTree>
     <p:extLst>
       <p:ext uri="{BB962C8B-B14F-4D97-AF65-F5344CB8AC3E}">
-        <p14:creationId xmlns:p14="http://schemas.microsoft.com/office/powerpoint/2010/main" xmlns="" val="999608912"/>
+        <p14:creationId xmlns="" xmlns:p14="http://schemas.microsoft.com/office/powerpoint/2010/main" val="999608912"/>
       </p:ext>
     </p:extLst>
   </p:cSld>
@@ -8311,7 +8198,7 @@
     </p:spTree>
     <p:extLst>
       <p:ext uri="{BB962C8B-B14F-4D97-AF65-F5344CB8AC3E}">
-        <p14:creationId xmlns:p14="http://schemas.microsoft.com/office/powerpoint/2010/main" xmlns="" val="999608912"/>
+        <p14:creationId xmlns="" xmlns:p14="http://schemas.microsoft.com/office/powerpoint/2010/main" val="999608912"/>
       </p:ext>
     </p:extLst>
   </p:cSld>
@@ -8415,7 +8302,7 @@
     </p:spTree>
     <p:extLst>
       <p:ext uri="{BB962C8B-B14F-4D97-AF65-F5344CB8AC3E}">
-        <p14:creationId xmlns:p14="http://schemas.microsoft.com/office/powerpoint/2010/main" xmlns="" val="999608912"/>
+        <p14:creationId xmlns="" xmlns:p14="http://schemas.microsoft.com/office/powerpoint/2010/main" val="999608912"/>
       </p:ext>
     </p:extLst>
   </p:cSld>
@@ -8683,7 +8570,7 @@
   <a:extraClrSchemeLst/>
   <a:extLst>
     <a:ext uri="{05A4C25C-085E-4340-85A3-A5531E510DB2}">
-      <thm15:themeFamily xmlns:thm15="http://schemas.microsoft.com/office/thememl/2012/main" xmlns="" name="Facet" id="{C0C680CD-088A-49FC-A102-D699147F32B2}" vid="{CFBC31BA-B70F-4F30-BCAA-4F3011E16C4D}"/>
+      <thm15:themeFamily xmlns="" xmlns:thm15="http://schemas.microsoft.com/office/thememl/2012/main" name="Facet" id="{C0C680CD-088A-49FC-A102-D699147F32B2}" vid="{CFBC31BA-B70F-4F30-BCAA-4F3011E16C4D}"/>
     </a:ext>
   </a:extLst>
 </a:theme>
